--- a/Angular.js.pptx
+++ b/Angular.js.pptx
@@ -12,8 +12,13 @@
     <p:sldId id="260" r:id="rId6"/>
     <p:sldId id="263" r:id="rId7"/>
     <p:sldId id="264" r:id="rId8"/>
-    <p:sldId id="261" r:id="rId9"/>
-    <p:sldId id="262" r:id="rId10"/>
+    <p:sldId id="262" r:id="rId9"/>
+    <p:sldId id="261" r:id="rId10"/>
+    <p:sldId id="265" r:id="rId11"/>
+    <p:sldId id="266" r:id="rId12"/>
+    <p:sldId id="267" r:id="rId13"/>
+    <p:sldId id="268" r:id="rId14"/>
+    <p:sldId id="269" r:id="rId15"/>
   </p:sldIdLst>
   <p:sldSz cx="12192000" cy="6858000"/>
   <p:notesSz cx="6858000" cy="9144000"/>
@@ -246,7 +251,7 @@
           <a:p>
             <a:fld id="{AF59AFDE-E914-4798-87D8-F0A314A6BF72}" type="datetimeFigureOut">
               <a:rPr lang="en-US" smtClean="0"/>
-              <a:t>17-05-28</a:t>
+              <a:t>17-06-01</a:t>
             </a:fld>
             <a:endParaRPr lang="en-US"/>
           </a:p>
@@ -416,7 +421,7 @@
           <a:p>
             <a:fld id="{AF59AFDE-E914-4798-87D8-F0A314A6BF72}" type="datetimeFigureOut">
               <a:rPr lang="en-US" smtClean="0"/>
-              <a:t>17-05-28</a:t>
+              <a:t>17-06-01</a:t>
             </a:fld>
             <a:endParaRPr lang="en-US"/>
           </a:p>
@@ -596,7 +601,7 @@
           <a:p>
             <a:fld id="{AF59AFDE-E914-4798-87D8-F0A314A6BF72}" type="datetimeFigureOut">
               <a:rPr lang="en-US" smtClean="0"/>
-              <a:t>17-05-28</a:t>
+              <a:t>17-06-01</a:t>
             </a:fld>
             <a:endParaRPr lang="en-US"/>
           </a:p>
@@ -766,7 +771,7 @@
           <a:p>
             <a:fld id="{AF59AFDE-E914-4798-87D8-F0A314A6BF72}" type="datetimeFigureOut">
               <a:rPr lang="en-US" smtClean="0"/>
-              <a:t>17-05-28</a:t>
+              <a:t>17-06-01</a:t>
             </a:fld>
             <a:endParaRPr lang="en-US"/>
           </a:p>
@@ -1012,7 +1017,7 @@
           <a:p>
             <a:fld id="{AF59AFDE-E914-4798-87D8-F0A314A6BF72}" type="datetimeFigureOut">
               <a:rPr lang="en-US" smtClean="0"/>
-              <a:t>17-05-28</a:t>
+              <a:t>17-06-01</a:t>
             </a:fld>
             <a:endParaRPr lang="en-US"/>
           </a:p>
@@ -1244,7 +1249,7 @@
           <a:p>
             <a:fld id="{AF59AFDE-E914-4798-87D8-F0A314A6BF72}" type="datetimeFigureOut">
               <a:rPr lang="en-US" smtClean="0"/>
-              <a:t>17-05-28</a:t>
+              <a:t>17-06-01</a:t>
             </a:fld>
             <a:endParaRPr lang="en-US"/>
           </a:p>
@@ -1611,7 +1616,7 @@
           <a:p>
             <a:fld id="{AF59AFDE-E914-4798-87D8-F0A314A6BF72}" type="datetimeFigureOut">
               <a:rPr lang="en-US" smtClean="0"/>
-              <a:t>17-05-28</a:t>
+              <a:t>17-06-01</a:t>
             </a:fld>
             <a:endParaRPr lang="en-US"/>
           </a:p>
@@ -1729,7 +1734,7 @@
           <a:p>
             <a:fld id="{AF59AFDE-E914-4798-87D8-F0A314A6BF72}" type="datetimeFigureOut">
               <a:rPr lang="en-US" smtClean="0"/>
-              <a:t>17-05-28</a:t>
+              <a:t>17-06-01</a:t>
             </a:fld>
             <a:endParaRPr lang="en-US"/>
           </a:p>
@@ -1824,7 +1829,7 @@
           <a:p>
             <a:fld id="{AF59AFDE-E914-4798-87D8-F0A314A6BF72}" type="datetimeFigureOut">
               <a:rPr lang="en-US" smtClean="0"/>
-              <a:t>17-05-28</a:t>
+              <a:t>17-06-01</a:t>
             </a:fld>
             <a:endParaRPr lang="en-US"/>
           </a:p>
@@ -2101,7 +2106,7 @@
           <a:p>
             <a:fld id="{AF59AFDE-E914-4798-87D8-F0A314A6BF72}" type="datetimeFigureOut">
               <a:rPr lang="en-US" smtClean="0"/>
-              <a:t>17-05-28</a:t>
+              <a:t>17-06-01</a:t>
             </a:fld>
             <a:endParaRPr lang="en-US"/>
           </a:p>
@@ -2354,7 +2359,7 @@
           <a:p>
             <a:fld id="{AF59AFDE-E914-4798-87D8-F0A314A6BF72}" type="datetimeFigureOut">
               <a:rPr lang="en-US" smtClean="0"/>
-              <a:t>17-05-28</a:t>
+              <a:t>17-06-01</a:t>
             </a:fld>
             <a:endParaRPr lang="en-US"/>
           </a:p>
@@ -2567,7 +2572,7 @@
           <a:p>
             <a:fld id="{AF59AFDE-E914-4798-87D8-F0A314A6BF72}" type="datetimeFigureOut">
               <a:rPr lang="en-US" smtClean="0"/>
-              <a:t>17-05-28</a:t>
+              <a:t>17-06-01</a:t>
             </a:fld>
             <a:endParaRPr lang="en-US"/>
           </a:p>
@@ -3034,14 +3039,14 @@
       </p:sp>
       <p:pic>
         <p:nvPicPr>
-          <p:cNvPr id="6" name="Picture 5"/>
+          <p:cNvPr id="3" name="Picture 2" descr="QBIS.Logo_.Vector.qbis_.blue_.retina.png"/>
           <p:cNvPicPr>
             <a:picLocks noChangeAspect="1"/>
           </p:cNvPicPr>
           <p:nvPr/>
         </p:nvPicPr>
         <p:blipFill>
-          <a:blip r:embed="rId3" cstate="print">
+          <a:blip r:embed="rId3">
             <a:extLst>
               <a:ext uri="{28A0092B-C50C-407E-A947-70E740481C1C}">
                 <a14:useLocalDpi xmlns:a14="http://schemas.microsoft.com/office/drawing/2010/main" val="0"/>
@@ -3054,8 +3059,8 @@
         </p:blipFill>
         <p:spPr>
           <a:xfrm>
-            <a:off x="9656064" y="5827271"/>
-            <a:ext cx="1542288" cy="466542"/>
+            <a:off x="9788721" y="5811995"/>
+            <a:ext cx="1406647" cy="601342"/>
           </a:xfrm>
           <a:prstGeom prst="rect">
             <a:avLst/>
@@ -3066,6 +3071,1563 @@
     <p:extLst>
       <p:ext uri="{BB962C8B-B14F-4D97-AF65-F5344CB8AC3E}">
         <p14:creationId xmlns:p14="http://schemas.microsoft.com/office/powerpoint/2010/main" val="1431686382"/>
+      </p:ext>
+    </p:extLst>
+  </p:cSld>
+  <p:clrMapOvr>
+    <a:masterClrMapping/>
+  </p:clrMapOvr>
+</p:sld>
+</file>
+
+<file path=ppt/slides/slide10.xml><?xml version="1.0" encoding="utf-8"?>
+<p:sld xmlns:a="http://schemas.openxmlformats.org/drawingml/2006/main" xmlns:r="http://schemas.openxmlformats.org/officeDocument/2006/relationships" xmlns:p="http://schemas.openxmlformats.org/presentationml/2006/main">
+  <p:cSld>
+    <p:spTree>
+      <p:nvGrpSpPr>
+        <p:cNvPr id="1" name=""/>
+        <p:cNvGrpSpPr/>
+        <p:nvPr/>
+      </p:nvGrpSpPr>
+      <p:grpSpPr>
+        <a:xfrm>
+          <a:off x="0" y="0"/>
+          <a:ext cx="0" cy="0"/>
+          <a:chOff x="0" y="0"/>
+          <a:chExt cx="0" cy="0"/>
+        </a:xfrm>
+      </p:grpSpPr>
+      <p:sp>
+        <p:nvSpPr>
+          <p:cNvPr id="2" name="Title 1"/>
+          <p:cNvSpPr>
+            <a:spLocks noGrp="1"/>
+          </p:cNvSpPr>
+          <p:nvPr>
+            <p:ph type="title"/>
+          </p:nvPr>
+        </p:nvSpPr>
+        <p:spPr/>
+        <p:txBody>
+          <a:bodyPr/>
+          <a:lstStyle/>
+          <a:p>
+            <a:r>
+              <a:rPr lang="en-US" dirty="0"/>
+              <a:t>Framework Features</a:t>
+            </a:r>
+            <a:endParaRPr lang="en-US" dirty="0"/>
+          </a:p>
+        </p:txBody>
+      </p:sp>
+      <p:sp>
+        <p:nvSpPr>
+          <p:cNvPr id="3" name="Content Placeholder 2"/>
+          <p:cNvSpPr>
+            <a:spLocks noGrp="1"/>
+          </p:cNvSpPr>
+          <p:nvPr>
+            <p:ph idx="1"/>
+          </p:nvPr>
+        </p:nvSpPr>
+        <p:spPr>
+          <a:xfrm>
+            <a:off x="838199" y="1825624"/>
+            <a:ext cx="10766425" cy="4810125"/>
+          </a:xfrm>
+        </p:spPr>
+        <p:txBody>
+          <a:bodyPr numCol="1">
+            <a:normAutofit/>
+          </a:bodyPr>
+          <a:lstStyle/>
+          <a:p>
+            <a:pPr marL="0" indent="0">
+              <a:buNone/>
+            </a:pPr>
+            <a:r>
+              <a:rPr lang="en-US" b="1" dirty="0"/>
+              <a:t>Expressions</a:t>
+            </a:r>
+          </a:p>
+          <a:p>
+            <a:r>
+              <a:rPr lang="en-US" dirty="0" err="1"/>
+              <a:t>AngularJS</a:t>
+            </a:r>
+            <a:r>
+              <a:rPr lang="en-US" dirty="0"/>
+              <a:t> expression can be written inside double braces: {{ </a:t>
+            </a:r>
+            <a:r>
+              <a:rPr lang="en-US" i="1" dirty="0"/>
+              <a:t>expression</a:t>
+            </a:r>
+            <a:r>
+              <a:rPr lang="en-US" dirty="0"/>
+              <a:t> }}</a:t>
+            </a:r>
+          </a:p>
+          <a:p>
+            <a:r>
+              <a:rPr lang="en-US" dirty="0" err="1"/>
+              <a:t>AngularJS</a:t>
+            </a:r>
+            <a:r>
+              <a:rPr lang="en-US" dirty="0"/>
+              <a:t> expressions can also be written inside a directive: </a:t>
+            </a:r>
+            <a:r>
+              <a:rPr lang="en-US" dirty="0" smtClean="0"/>
+              <a:t/>
+            </a:r>
+            <a:br>
+              <a:rPr lang="en-US" dirty="0" smtClean="0"/>
+            </a:br>
+            <a:r>
+              <a:rPr lang="en-US" dirty="0" err="1" smtClean="0"/>
+              <a:t>ng</a:t>
+            </a:r>
+            <a:r>
+              <a:rPr lang="en-US" dirty="0"/>
+              <a:t>-bind=“expression</a:t>
+            </a:r>
+            <a:r>
+              <a:rPr lang="en-US" dirty="0" smtClean="0"/>
+              <a:t>”</a:t>
+            </a:r>
+          </a:p>
+          <a:p>
+            <a:r>
+              <a:rPr lang="en-US" dirty="0" err="1" smtClean="0"/>
+              <a:t>AngularJS</a:t>
+            </a:r>
+            <a:r>
+              <a:rPr lang="en-US" dirty="0" smtClean="0"/>
+              <a:t> expression are much like JavaScript expression: They can contain literals, operators and variables.</a:t>
+            </a:r>
+          </a:p>
+          <a:p>
+            <a:pPr marL="0" indent="0">
+              <a:buNone/>
+            </a:pPr>
+            <a:endParaRPr lang="en-US" dirty="0" smtClean="0"/>
+          </a:p>
+          <a:p>
+            <a:endParaRPr lang="en-US" dirty="0"/>
+          </a:p>
+        </p:txBody>
+      </p:sp>
+    </p:spTree>
+    <p:extLst>
+      <p:ext uri="{BB962C8B-B14F-4D97-AF65-F5344CB8AC3E}">
+        <p14:creationId xmlns:p14="http://schemas.microsoft.com/office/powerpoint/2010/main" val="3353221955"/>
+      </p:ext>
+    </p:extLst>
+  </p:cSld>
+  <p:clrMapOvr>
+    <a:masterClrMapping/>
+  </p:clrMapOvr>
+</p:sld>
+</file>
+
+<file path=ppt/slides/slide11.xml><?xml version="1.0" encoding="utf-8"?>
+<p:sld xmlns:a="http://schemas.openxmlformats.org/drawingml/2006/main" xmlns:r="http://schemas.openxmlformats.org/officeDocument/2006/relationships" xmlns:p="http://schemas.openxmlformats.org/presentationml/2006/main">
+  <p:cSld>
+    <p:spTree>
+      <p:nvGrpSpPr>
+        <p:cNvPr id="1" name=""/>
+        <p:cNvGrpSpPr/>
+        <p:nvPr/>
+      </p:nvGrpSpPr>
+      <p:grpSpPr>
+        <a:xfrm>
+          <a:off x="0" y="0"/>
+          <a:ext cx="0" cy="0"/>
+          <a:chOff x="0" y="0"/>
+          <a:chExt cx="0" cy="0"/>
+        </a:xfrm>
+      </p:grpSpPr>
+      <p:sp>
+        <p:nvSpPr>
+          <p:cNvPr id="2" name="Title 1"/>
+          <p:cNvSpPr>
+            <a:spLocks noGrp="1"/>
+          </p:cNvSpPr>
+          <p:nvPr>
+            <p:ph type="title"/>
+          </p:nvPr>
+        </p:nvSpPr>
+        <p:spPr/>
+        <p:txBody>
+          <a:bodyPr/>
+          <a:lstStyle/>
+          <a:p>
+            <a:r>
+              <a:rPr lang="en-US" dirty="0"/>
+              <a:t>Framework Features</a:t>
+            </a:r>
+            <a:endParaRPr lang="en-US" dirty="0"/>
+          </a:p>
+        </p:txBody>
+      </p:sp>
+      <p:sp>
+        <p:nvSpPr>
+          <p:cNvPr id="3" name="Content Placeholder 2"/>
+          <p:cNvSpPr>
+            <a:spLocks noGrp="1"/>
+          </p:cNvSpPr>
+          <p:nvPr>
+            <p:ph idx="1"/>
+          </p:nvPr>
+        </p:nvSpPr>
+        <p:spPr>
+          <a:xfrm>
+            <a:off x="838199" y="1825624"/>
+            <a:ext cx="10766425" cy="4810125"/>
+          </a:xfrm>
+        </p:spPr>
+        <p:txBody>
+          <a:bodyPr numCol="1">
+            <a:normAutofit/>
+          </a:bodyPr>
+          <a:lstStyle/>
+          <a:p>
+            <a:pPr marL="0" indent="0">
+              <a:buNone/>
+            </a:pPr>
+            <a:r>
+              <a:rPr lang="en-US" b="1" dirty="0" smtClean="0"/>
+              <a:t>Expressions (JavaScript </a:t>
+            </a:r>
+            <a:r>
+              <a:rPr lang="en-US" b="1" dirty="0" err="1" smtClean="0"/>
+              <a:t>vs</a:t>
+            </a:r>
+            <a:r>
+              <a:rPr lang="en-US" b="1" dirty="0" smtClean="0"/>
+              <a:t> </a:t>
+            </a:r>
+            <a:r>
+              <a:rPr lang="en-US" b="1" dirty="0" err="1" smtClean="0"/>
+              <a:t>AngularJS</a:t>
+            </a:r>
+            <a:r>
+              <a:rPr lang="en-US" b="1" dirty="0" smtClean="0"/>
+              <a:t>)</a:t>
+            </a:r>
+          </a:p>
+          <a:p>
+            <a:pPr marL="0" indent="0">
+              <a:buNone/>
+            </a:pPr>
+            <a:endParaRPr lang="en-US" dirty="0"/>
+          </a:p>
+          <a:p>
+            <a:pPr marL="0" indent="0">
+              <a:buNone/>
+            </a:pPr>
+            <a:endParaRPr lang="en-US" dirty="0" smtClean="0"/>
+          </a:p>
+        </p:txBody>
+      </p:sp>
+      <p:graphicFrame>
+        <p:nvGraphicFramePr>
+          <p:cNvPr id="4" name="Table 3"/>
+          <p:cNvGraphicFramePr>
+            <a:graphicFrameLocks noGrp="1"/>
+          </p:cNvGraphicFramePr>
+          <p:nvPr>
+            <p:extLst>
+              <p:ext uri="{D42A27DB-BD31-4B8C-83A1-F6EECF244321}">
+                <p14:modId xmlns:p14="http://schemas.microsoft.com/office/powerpoint/2010/main" val="825795148"/>
+              </p:ext>
+            </p:extLst>
+          </p:nvPr>
+        </p:nvGraphicFramePr>
+        <p:xfrm>
+          <a:off x="989550" y="2563301"/>
+          <a:ext cx="10535080" cy="3724946"/>
+        </p:xfrm>
+        <a:graphic>
+          <a:graphicData uri="http://schemas.openxmlformats.org/drawingml/2006/table">
+            <a:tbl>
+              <a:tblPr firstRow="1" bandRow="1">
+                <a:tableStyleId>{BC89EF96-8CEA-46FF-86C4-4CE0E7609802}</a:tableStyleId>
+              </a:tblPr>
+              <a:tblGrid>
+                <a:gridCol w="2282816"/>
+                <a:gridCol w="3978780"/>
+                <a:gridCol w="4273484"/>
+              </a:tblGrid>
+              <a:tr h="372402">
+                <a:tc>
+                  <a:txBody>
+                    <a:bodyPr/>
+                    <a:lstStyle/>
+                    <a:p>
+                      <a:endParaRPr lang="en-US" dirty="0"/>
+                    </a:p>
+                  </a:txBody>
+                  <a:tcPr/>
+                </a:tc>
+                <a:tc>
+                  <a:txBody>
+                    <a:bodyPr/>
+                    <a:lstStyle/>
+                    <a:p>
+                      <a:r>
+                        <a:rPr lang="en-US" dirty="0" smtClean="0"/>
+                        <a:t>JavaScript</a:t>
+                      </a:r>
+                      <a:endParaRPr lang="en-US" dirty="0"/>
+                    </a:p>
+                  </a:txBody>
+                  <a:tcPr/>
+                </a:tc>
+                <a:tc>
+                  <a:txBody>
+                    <a:bodyPr/>
+                    <a:lstStyle/>
+                    <a:p>
+                      <a:r>
+                        <a:rPr lang="en-US" dirty="0" err="1" smtClean="0"/>
+                        <a:t>AngularJS</a:t>
+                      </a:r>
+                      <a:endParaRPr lang="en-US" dirty="0"/>
+                    </a:p>
+                  </a:txBody>
+                  <a:tcPr/>
+                </a:tc>
+              </a:tr>
+              <a:tr h="372402">
+                <a:tc>
+                  <a:txBody>
+                    <a:bodyPr/>
+                    <a:lstStyle/>
+                    <a:p>
+                      <a:r>
+                        <a:rPr lang="en-US" b="1" dirty="0" smtClean="0"/>
+                        <a:t>Context</a:t>
+                      </a:r>
+                      <a:endParaRPr lang="en-US" b="1" dirty="0"/>
+                    </a:p>
+                  </a:txBody>
+                  <a:tcPr/>
+                </a:tc>
+                <a:tc>
+                  <a:txBody>
+                    <a:bodyPr/>
+                    <a:lstStyle/>
+                    <a:p>
+                      <a:r>
+                        <a:rPr lang="en-US" dirty="0" smtClean="0"/>
+                        <a:t>are evaluated</a:t>
+                      </a:r>
+                      <a:r>
+                        <a:rPr lang="en-US" baseline="0" dirty="0" smtClean="0"/>
+                        <a:t> against global </a:t>
+                      </a:r>
+                      <a:r>
+                        <a:rPr lang="en-US" b="1" baseline="0" dirty="0" smtClean="0"/>
+                        <a:t>window</a:t>
+                      </a:r>
+                      <a:r>
+                        <a:rPr lang="en-US" baseline="0" dirty="0" smtClean="0"/>
+                        <a:t>.</a:t>
+                      </a:r>
+                      <a:endParaRPr lang="en-US" dirty="0"/>
+                    </a:p>
+                  </a:txBody>
+                  <a:tcPr/>
+                </a:tc>
+                <a:tc>
+                  <a:txBody>
+                    <a:bodyPr/>
+                    <a:lstStyle/>
+                    <a:p>
+                      <a:r>
+                        <a:rPr lang="en-US" dirty="0" smtClean="0"/>
+                        <a:t>are evaluated against a</a:t>
+                      </a:r>
+                      <a:r>
+                        <a:rPr lang="en-US" baseline="0" dirty="0" smtClean="0"/>
+                        <a:t> </a:t>
+                      </a:r>
+                      <a:r>
+                        <a:rPr lang="en-US" b="1" baseline="0" dirty="0" smtClean="0"/>
+                        <a:t>scope</a:t>
+                      </a:r>
+                      <a:r>
+                        <a:rPr lang="en-US" baseline="0" dirty="0" smtClean="0"/>
+                        <a:t> object.</a:t>
+                      </a:r>
+                      <a:endParaRPr lang="en-US" dirty="0"/>
+                    </a:p>
+                  </a:txBody>
+                  <a:tcPr/>
+                </a:tc>
+              </a:tr>
+              <a:tr h="478052">
+                <a:tc>
+                  <a:txBody>
+                    <a:bodyPr/>
+                    <a:lstStyle/>
+                    <a:p>
+                      <a:r>
+                        <a:rPr lang="en-US" b="1" dirty="0" smtClean="0"/>
+                        <a:t>Error Handle</a:t>
+                      </a:r>
+                      <a:endParaRPr lang="en-US" b="1" dirty="0"/>
+                    </a:p>
+                  </a:txBody>
+                  <a:tcPr/>
+                </a:tc>
+                <a:tc>
+                  <a:txBody>
+                    <a:bodyPr/>
+                    <a:lstStyle/>
+                    <a:p>
+                      <a:r>
+                        <a:rPr lang="en-US" dirty="0" smtClean="0"/>
+                        <a:t>generates </a:t>
+                      </a:r>
+                      <a:r>
+                        <a:rPr lang="en-US" b="1" dirty="0" err="1" smtClean="0"/>
+                        <a:t>ReferenceError</a:t>
+                      </a:r>
+                      <a:r>
+                        <a:rPr lang="en-US" baseline="0" dirty="0" smtClean="0"/>
+                        <a:t> or </a:t>
+                      </a:r>
+                      <a:r>
+                        <a:rPr lang="en-US" b="1" baseline="0" dirty="0" err="1" smtClean="0"/>
+                        <a:t>TypeError</a:t>
+                      </a:r>
+                      <a:endParaRPr lang="en-US" b="1" dirty="0"/>
+                    </a:p>
+                  </a:txBody>
+                  <a:tcPr/>
+                </a:tc>
+                <a:tc>
+                  <a:txBody>
+                    <a:bodyPr/>
+                    <a:lstStyle/>
+                    <a:p>
+                      <a:r>
+                        <a:rPr lang="en-US" dirty="0" smtClean="0"/>
+                        <a:t>generates </a:t>
+                      </a:r>
+                      <a:r>
+                        <a:rPr lang="en-US" b="1" dirty="0" smtClean="0"/>
+                        <a:t>undefined</a:t>
+                      </a:r>
+                      <a:r>
+                        <a:rPr lang="en-US" dirty="0" smtClean="0"/>
+                        <a:t> and </a:t>
+                      </a:r>
+                      <a:r>
+                        <a:rPr lang="en-US" b="1" dirty="0" smtClean="0"/>
+                        <a:t>null</a:t>
+                      </a:r>
+                      <a:r>
+                        <a:rPr lang="en-US" dirty="0" smtClean="0"/>
+                        <a:t>.</a:t>
+                      </a:r>
+                      <a:endParaRPr lang="en-US" dirty="0"/>
+                    </a:p>
+                  </a:txBody>
+                  <a:tcPr/>
+                </a:tc>
+              </a:tr>
+              <a:tr h="372402">
+                <a:tc>
+                  <a:txBody>
+                    <a:bodyPr/>
+                    <a:lstStyle/>
+                    <a:p>
+                      <a:r>
+                        <a:rPr lang="en-US" b="1" dirty="0" smtClean="0"/>
+                        <a:t>Filter</a:t>
+                      </a:r>
+                      <a:endParaRPr lang="en-US" b="1" dirty="0"/>
+                    </a:p>
+                  </a:txBody>
+                  <a:tcPr/>
+                </a:tc>
+                <a:tc>
+                  <a:txBody>
+                    <a:bodyPr/>
+                    <a:lstStyle/>
+                    <a:p>
+                      <a:r>
+                        <a:rPr lang="en-US" dirty="0" smtClean="0"/>
+                        <a:t>NAN</a:t>
+                      </a:r>
+                      <a:endParaRPr lang="en-US" dirty="0"/>
+                    </a:p>
+                  </a:txBody>
+                  <a:tcPr/>
+                </a:tc>
+                <a:tc>
+                  <a:txBody>
+                    <a:bodyPr/>
+                    <a:lstStyle/>
+                    <a:p>
+                      <a:r>
+                        <a:rPr lang="en-US" dirty="0" smtClean="0"/>
+                        <a:t>can use filters within</a:t>
+                      </a:r>
+                      <a:r>
+                        <a:rPr lang="en-US" baseline="0" dirty="0" smtClean="0"/>
+                        <a:t> expression to format.</a:t>
+                      </a:r>
+                      <a:endParaRPr lang="en-US" dirty="0"/>
+                    </a:p>
+                  </a:txBody>
+                  <a:tcPr/>
+                </a:tc>
+              </a:tr>
+              <a:tr h="372402">
+                <a:tc>
+                  <a:txBody>
+                    <a:bodyPr/>
+                    <a:lstStyle/>
+                    <a:p>
+                      <a:r>
+                        <a:rPr lang="en-US" b="1" dirty="0" smtClean="0"/>
+                        <a:t>Control</a:t>
+                      </a:r>
+                      <a:r>
+                        <a:rPr lang="en-US" b="1" baseline="0" dirty="0" smtClean="0"/>
+                        <a:t> Statements</a:t>
+                      </a:r>
+                      <a:endParaRPr lang="en-US" b="1" dirty="0"/>
+                    </a:p>
+                  </a:txBody>
+                  <a:tcPr/>
+                </a:tc>
+                <a:tc>
+                  <a:txBody>
+                    <a:bodyPr/>
+                    <a:lstStyle/>
+                    <a:p>
+                      <a:r>
+                        <a:rPr lang="en-US" dirty="0" smtClean="0"/>
+                        <a:t>Possible</a:t>
+                      </a:r>
+                      <a:r>
+                        <a:rPr lang="en-US" baseline="0" dirty="0" smtClean="0"/>
+                        <a:t> to use</a:t>
+                      </a:r>
+                      <a:endParaRPr lang="en-US" dirty="0"/>
+                    </a:p>
+                  </a:txBody>
+                  <a:tcPr/>
+                </a:tc>
+                <a:tc>
+                  <a:txBody>
+                    <a:bodyPr/>
+                    <a:lstStyle/>
+                    <a:p>
+                      <a:r>
+                        <a:rPr lang="en-US" dirty="0" smtClean="0"/>
+                        <a:t>cannot</a:t>
+                      </a:r>
+                      <a:r>
+                        <a:rPr lang="en-US" baseline="0" dirty="0" smtClean="0"/>
+                        <a:t> use conditionals, loops, exceptions.</a:t>
+                      </a:r>
+                      <a:endParaRPr lang="en-US" dirty="0"/>
+                    </a:p>
+                  </a:txBody>
+                  <a:tcPr/>
+                </a:tc>
+              </a:tr>
+              <a:tr h="372402">
+                <a:tc>
+                  <a:txBody>
+                    <a:bodyPr/>
+                    <a:lstStyle/>
+                    <a:p>
+                      <a:r>
+                        <a:rPr lang="en-US" b="1" dirty="0" smtClean="0"/>
+                        <a:t>Function Declaration</a:t>
+                      </a:r>
+                      <a:endParaRPr lang="en-US" b="1" dirty="0"/>
+                    </a:p>
+                  </a:txBody>
+                  <a:tcPr/>
+                </a:tc>
+                <a:tc>
+                  <a:txBody>
+                    <a:bodyPr/>
+                    <a:lstStyle/>
+                    <a:p>
+                      <a:r>
+                        <a:rPr lang="en-US" dirty="0" smtClean="0"/>
+                        <a:t>Possible to</a:t>
+                      </a:r>
+                      <a:r>
+                        <a:rPr lang="en-US" baseline="0" dirty="0" smtClean="0"/>
+                        <a:t> declare</a:t>
+                      </a:r>
+                      <a:endParaRPr lang="en-US" dirty="0"/>
+                    </a:p>
+                  </a:txBody>
+                  <a:tcPr/>
+                </a:tc>
+                <a:tc>
+                  <a:txBody>
+                    <a:bodyPr/>
+                    <a:lstStyle/>
+                    <a:p>
+                      <a:r>
+                        <a:rPr lang="en-US" dirty="0" smtClean="0"/>
+                        <a:t>cannot declare functions,</a:t>
+                      </a:r>
+                      <a:r>
+                        <a:rPr lang="en-US" baseline="0" dirty="0" smtClean="0"/>
+                        <a:t> even inside </a:t>
+                      </a:r>
+                      <a:br>
+                        <a:rPr lang="en-US" baseline="0" dirty="0" smtClean="0"/>
+                      </a:br>
+                      <a:r>
+                        <a:rPr lang="en-US" b="1" baseline="0" dirty="0" err="1" smtClean="0"/>
+                        <a:t>ng-init</a:t>
+                      </a:r>
+                      <a:r>
+                        <a:rPr lang="en-US" baseline="0" dirty="0" smtClean="0"/>
+                        <a:t>.</a:t>
+                      </a:r>
+                      <a:endParaRPr lang="en-US" dirty="0"/>
+                    </a:p>
+                  </a:txBody>
+                  <a:tcPr/>
+                </a:tc>
+              </a:tr>
+              <a:tr h="372402">
+                <a:tc>
+                  <a:txBody>
+                    <a:bodyPr/>
+                    <a:lstStyle/>
+                    <a:p>
+                      <a:r>
+                        <a:rPr lang="en-US" b="1" dirty="0" smtClean="0"/>
+                        <a:t>Regular</a:t>
+                      </a:r>
+                      <a:r>
+                        <a:rPr lang="en-US" b="1" baseline="0" dirty="0" smtClean="0"/>
+                        <a:t> Expression</a:t>
+                      </a:r>
+                      <a:endParaRPr lang="en-US" b="1" dirty="0"/>
+                    </a:p>
+                  </a:txBody>
+                  <a:tcPr/>
+                </a:tc>
+                <a:tc>
+                  <a:txBody>
+                    <a:bodyPr/>
+                    <a:lstStyle/>
+                    <a:p>
+                      <a:r>
+                        <a:rPr lang="en-US" dirty="0" smtClean="0"/>
+                        <a:t>Possible</a:t>
+                      </a:r>
+                      <a:r>
+                        <a:rPr lang="en-US" baseline="0" dirty="0" smtClean="0"/>
+                        <a:t> to create</a:t>
+                      </a:r>
+                      <a:endParaRPr lang="en-US" dirty="0"/>
+                    </a:p>
+                  </a:txBody>
+                  <a:tcPr/>
+                </a:tc>
+                <a:tc>
+                  <a:txBody>
+                    <a:bodyPr/>
+                    <a:lstStyle/>
+                    <a:p>
+                      <a:r>
+                        <a:rPr lang="en-US" dirty="0" smtClean="0"/>
+                        <a:t>cannot create regular expressions.</a:t>
+                      </a:r>
+                      <a:endParaRPr lang="en-US" dirty="0"/>
+                    </a:p>
+                  </a:txBody>
+                  <a:tcPr/>
+                </a:tc>
+              </a:tr>
+              <a:tr h="372402">
+                <a:tc>
+                  <a:txBody>
+                    <a:bodyPr/>
+                    <a:lstStyle/>
+                    <a:p>
+                      <a:r>
+                        <a:rPr lang="en-US" b="1" dirty="0" smtClean="0"/>
+                        <a:t>Object Creation</a:t>
+                      </a:r>
+                      <a:endParaRPr lang="en-US" b="1" dirty="0"/>
+                    </a:p>
+                  </a:txBody>
+                  <a:tcPr/>
+                </a:tc>
+                <a:tc>
+                  <a:txBody>
+                    <a:bodyPr/>
+                    <a:lstStyle/>
+                    <a:p>
+                      <a:r>
+                        <a:rPr lang="en-US" dirty="0" smtClean="0"/>
+                        <a:t>Possible</a:t>
+                      </a:r>
+                      <a:r>
+                        <a:rPr lang="en-US" baseline="0" dirty="0" smtClean="0"/>
+                        <a:t> to create</a:t>
+                      </a:r>
+                      <a:endParaRPr lang="en-US" dirty="0"/>
+                    </a:p>
+                  </a:txBody>
+                  <a:tcPr/>
+                </a:tc>
+                <a:tc>
+                  <a:txBody>
+                    <a:bodyPr/>
+                    <a:lstStyle/>
+                    <a:p>
+                      <a:r>
+                        <a:rPr lang="en-US" dirty="0" smtClean="0"/>
+                        <a:t>cannot use </a:t>
+                      </a:r>
+                      <a:r>
+                        <a:rPr lang="en-US" b="1" dirty="0" smtClean="0"/>
+                        <a:t>new</a:t>
+                      </a:r>
+                      <a:r>
+                        <a:rPr lang="en-US" dirty="0" smtClean="0"/>
+                        <a:t> operator</a:t>
+                      </a:r>
+                      <a:r>
+                        <a:rPr lang="en-US" baseline="0" dirty="0" smtClean="0"/>
+                        <a:t>.</a:t>
+                      </a:r>
+                      <a:endParaRPr lang="en-US" dirty="0"/>
+                    </a:p>
+                  </a:txBody>
+                  <a:tcPr/>
+                </a:tc>
+              </a:tr>
+              <a:tr h="372402">
+                <a:tc>
+                  <a:txBody>
+                    <a:bodyPr/>
+                    <a:lstStyle/>
+                    <a:p>
+                      <a:r>
+                        <a:rPr lang="en-US" b="1" dirty="0" smtClean="0"/>
+                        <a:t>Bitwise, Comma,</a:t>
+                      </a:r>
+                      <a:r>
+                        <a:rPr lang="en-US" b="1" baseline="0" dirty="0" smtClean="0"/>
+                        <a:t> Void</a:t>
+                      </a:r>
+                      <a:endParaRPr lang="en-US" b="1" dirty="0"/>
+                    </a:p>
+                  </a:txBody>
+                  <a:tcPr/>
+                </a:tc>
+                <a:tc>
+                  <a:txBody>
+                    <a:bodyPr/>
+                    <a:lstStyle/>
+                    <a:p>
+                      <a:r>
+                        <a:rPr lang="en-US" dirty="0" smtClean="0"/>
+                        <a:t>Possible to use</a:t>
+                      </a:r>
+                      <a:endParaRPr lang="en-US" dirty="0"/>
+                    </a:p>
+                  </a:txBody>
+                  <a:tcPr/>
+                </a:tc>
+                <a:tc>
+                  <a:txBody>
+                    <a:bodyPr/>
+                    <a:lstStyle/>
+                    <a:p>
+                      <a:r>
+                        <a:rPr lang="en-US" dirty="0" smtClean="0"/>
+                        <a:t>cannot use </a:t>
+                      </a:r>
+                      <a:r>
+                        <a:rPr lang="en-US" b="1" dirty="0" smtClean="0"/>
+                        <a:t>Bitwise</a:t>
+                      </a:r>
+                      <a:r>
+                        <a:rPr lang="en-US" dirty="0" smtClean="0"/>
+                        <a:t>, </a:t>
+                      </a:r>
+                      <a:r>
+                        <a:rPr lang="en-US" b="1" dirty="0" smtClean="0"/>
+                        <a:t>comma</a:t>
+                      </a:r>
+                      <a:r>
+                        <a:rPr lang="en-US" dirty="0" smtClean="0"/>
+                        <a:t>, </a:t>
+                      </a:r>
+                      <a:r>
+                        <a:rPr lang="en-US" b="1" dirty="0" smtClean="0"/>
+                        <a:t>void</a:t>
+                      </a:r>
+                      <a:endParaRPr lang="en-US" b="1" dirty="0"/>
+                    </a:p>
+                  </a:txBody>
+                  <a:tcPr/>
+                </a:tc>
+              </a:tr>
+            </a:tbl>
+          </a:graphicData>
+        </a:graphic>
+      </p:graphicFrame>
+    </p:spTree>
+    <p:extLst>
+      <p:ext uri="{BB962C8B-B14F-4D97-AF65-F5344CB8AC3E}">
+        <p14:creationId xmlns:p14="http://schemas.microsoft.com/office/powerpoint/2010/main" val="3759005943"/>
+      </p:ext>
+    </p:extLst>
+  </p:cSld>
+  <p:clrMapOvr>
+    <a:masterClrMapping/>
+  </p:clrMapOvr>
+</p:sld>
+</file>
+
+<file path=ppt/slides/slide12.xml><?xml version="1.0" encoding="utf-8"?>
+<p:sld xmlns:a="http://schemas.openxmlformats.org/drawingml/2006/main" xmlns:r="http://schemas.openxmlformats.org/officeDocument/2006/relationships" xmlns:p="http://schemas.openxmlformats.org/presentationml/2006/main">
+  <p:cSld>
+    <p:spTree>
+      <p:nvGrpSpPr>
+        <p:cNvPr id="1" name=""/>
+        <p:cNvGrpSpPr/>
+        <p:nvPr/>
+      </p:nvGrpSpPr>
+      <p:grpSpPr>
+        <a:xfrm>
+          <a:off x="0" y="0"/>
+          <a:ext cx="0" cy="0"/>
+          <a:chOff x="0" y="0"/>
+          <a:chExt cx="0" cy="0"/>
+        </a:xfrm>
+      </p:grpSpPr>
+      <p:sp>
+        <p:nvSpPr>
+          <p:cNvPr id="2" name="Title 1"/>
+          <p:cNvSpPr>
+            <a:spLocks noGrp="1"/>
+          </p:cNvSpPr>
+          <p:nvPr>
+            <p:ph type="title"/>
+          </p:nvPr>
+        </p:nvSpPr>
+        <p:spPr/>
+        <p:txBody>
+          <a:bodyPr/>
+          <a:lstStyle/>
+          <a:p>
+            <a:r>
+              <a:rPr lang="en-US" dirty="0"/>
+              <a:t>Framework Features</a:t>
+            </a:r>
+            <a:endParaRPr lang="en-US" dirty="0"/>
+          </a:p>
+        </p:txBody>
+      </p:sp>
+      <p:sp>
+        <p:nvSpPr>
+          <p:cNvPr id="3" name="Content Placeholder 2"/>
+          <p:cNvSpPr>
+            <a:spLocks noGrp="1"/>
+          </p:cNvSpPr>
+          <p:nvPr>
+            <p:ph idx="1"/>
+          </p:nvPr>
+        </p:nvSpPr>
+        <p:spPr>
+          <a:xfrm>
+            <a:off x="838199" y="1825624"/>
+            <a:ext cx="10766425" cy="4810125"/>
+          </a:xfrm>
+        </p:spPr>
+        <p:txBody>
+          <a:bodyPr numCol="1">
+            <a:normAutofit/>
+          </a:bodyPr>
+          <a:lstStyle/>
+          <a:p>
+            <a:pPr marL="0" indent="0">
+              <a:buNone/>
+            </a:pPr>
+            <a:r>
+              <a:rPr lang="en-US" b="1" dirty="0" smtClean="0"/>
+              <a:t>More Directives</a:t>
+            </a:r>
+          </a:p>
+          <a:p>
+            <a:pPr>
+              <a:buFont typeface="Arial"/>
+              <a:buChar char="•"/>
+            </a:pPr>
+            <a:r>
+              <a:rPr lang="en-US" b="1" dirty="0" err="1" smtClean="0"/>
+              <a:t>ng</a:t>
+            </a:r>
+            <a:r>
+              <a:rPr lang="en-US" b="1" dirty="0" smtClean="0"/>
+              <a:t>-repeat: </a:t>
+            </a:r>
+            <a:r>
+              <a:rPr lang="en-US" dirty="0" smtClean="0"/>
+              <a:t>clones an HTML elements once for each item in a collection.</a:t>
+            </a:r>
+          </a:p>
+          <a:p>
+            <a:pPr marL="0" indent="0">
+              <a:buNone/>
+            </a:pPr>
+            <a:r>
+              <a:rPr lang="en-US" dirty="0" smtClean="0"/>
+              <a:t>They are used on an array of objects.</a:t>
+            </a:r>
+            <a:endParaRPr lang="en-US" dirty="0" smtClean="0"/>
+          </a:p>
+          <a:p>
+            <a:pPr marL="0" indent="0">
+              <a:buNone/>
+            </a:pPr>
+            <a:r>
+              <a:rPr lang="en-US" dirty="0"/>
+              <a:t>DEMO: </a:t>
+            </a:r>
+            <a:r>
+              <a:rPr lang="en-US" i="1" dirty="0"/>
+              <a:t>example</a:t>
+            </a:r>
+            <a:r>
+              <a:rPr lang="en-US" i="1" dirty="0" smtClean="0"/>
+              <a:t>-2</a:t>
+            </a:r>
+            <a:endParaRPr lang="en-US" b="1" i="1" dirty="0"/>
+          </a:p>
+          <a:p>
+            <a:pPr marL="0" indent="0">
+              <a:buNone/>
+            </a:pPr>
+            <a:r>
+              <a:rPr lang="en-US" b="1" dirty="0" smtClean="0"/>
+              <a:t>Filters</a:t>
+            </a:r>
+          </a:p>
+          <a:p>
+            <a:r>
+              <a:rPr lang="en-US" dirty="0" err="1" smtClean="0"/>
+              <a:t>AngularJS</a:t>
+            </a:r>
+            <a:r>
+              <a:rPr lang="en-US" dirty="0" smtClean="0"/>
+              <a:t> provides filters to transform data.</a:t>
+            </a:r>
+          </a:p>
+          <a:p>
+            <a:r>
+              <a:rPr lang="en-US" dirty="0" smtClean="0"/>
+              <a:t>Filters can be added to expression by using pipe character “|”.</a:t>
+            </a:r>
+          </a:p>
+          <a:p>
+            <a:r>
+              <a:rPr lang="en-US" dirty="0" smtClean="0"/>
+              <a:t>Filters can be used within both </a:t>
+            </a:r>
+            <a:r>
+              <a:rPr lang="en-US" b="1" dirty="0" smtClean="0"/>
+              <a:t>Directives</a:t>
+            </a:r>
+            <a:r>
+              <a:rPr lang="en-US" dirty="0" smtClean="0"/>
+              <a:t> and </a:t>
+            </a:r>
+            <a:r>
+              <a:rPr lang="en-US" b="1" dirty="0" smtClean="0"/>
+              <a:t>Expressions</a:t>
+            </a:r>
+            <a:r>
+              <a:rPr lang="en-US" dirty="0" smtClean="0"/>
+              <a:t>. </a:t>
+            </a:r>
+            <a:endParaRPr lang="en-US" dirty="0"/>
+          </a:p>
+          <a:p>
+            <a:pPr marL="0" indent="0">
+              <a:buNone/>
+            </a:pPr>
+            <a:r>
+              <a:rPr lang="en-US" dirty="0"/>
+              <a:t>DEMO: </a:t>
+            </a:r>
+            <a:r>
+              <a:rPr lang="en-US" i="1" dirty="0"/>
+              <a:t>example</a:t>
+            </a:r>
+            <a:r>
+              <a:rPr lang="en-US" i="1" dirty="0" smtClean="0"/>
+              <a:t>-3</a:t>
+            </a:r>
+            <a:endParaRPr lang="en-US" b="1" i="1" dirty="0"/>
+          </a:p>
+          <a:p>
+            <a:pPr marL="0" indent="0">
+              <a:buNone/>
+            </a:pPr>
+            <a:endParaRPr lang="en-US" dirty="0"/>
+          </a:p>
+          <a:p>
+            <a:pPr marL="0" indent="0">
+              <a:buNone/>
+            </a:pPr>
+            <a:endParaRPr lang="en-US" dirty="0" smtClean="0"/>
+          </a:p>
+        </p:txBody>
+      </p:sp>
+    </p:spTree>
+    <p:extLst>
+      <p:ext uri="{BB962C8B-B14F-4D97-AF65-F5344CB8AC3E}">
+        <p14:creationId xmlns:p14="http://schemas.microsoft.com/office/powerpoint/2010/main" val="3071329322"/>
+      </p:ext>
+    </p:extLst>
+  </p:cSld>
+  <p:clrMapOvr>
+    <a:masterClrMapping/>
+  </p:clrMapOvr>
+</p:sld>
+</file>
+
+<file path=ppt/slides/slide13.xml><?xml version="1.0" encoding="utf-8"?>
+<p:sld xmlns:a="http://schemas.openxmlformats.org/drawingml/2006/main" xmlns:r="http://schemas.openxmlformats.org/officeDocument/2006/relationships" xmlns:p="http://schemas.openxmlformats.org/presentationml/2006/main">
+  <p:cSld>
+    <p:spTree>
+      <p:nvGrpSpPr>
+        <p:cNvPr id="1" name=""/>
+        <p:cNvGrpSpPr/>
+        <p:nvPr/>
+      </p:nvGrpSpPr>
+      <p:grpSpPr>
+        <a:xfrm>
+          <a:off x="0" y="0"/>
+          <a:ext cx="0" cy="0"/>
+          <a:chOff x="0" y="0"/>
+          <a:chExt cx="0" cy="0"/>
+        </a:xfrm>
+      </p:grpSpPr>
+      <p:sp>
+        <p:nvSpPr>
+          <p:cNvPr id="2" name="Title 1"/>
+          <p:cNvSpPr>
+            <a:spLocks noGrp="1"/>
+          </p:cNvSpPr>
+          <p:nvPr>
+            <p:ph type="title"/>
+          </p:nvPr>
+        </p:nvSpPr>
+        <p:spPr/>
+        <p:txBody>
+          <a:bodyPr/>
+          <a:lstStyle/>
+          <a:p>
+            <a:r>
+              <a:rPr lang="en-US" dirty="0"/>
+              <a:t>Framework Features</a:t>
+            </a:r>
+            <a:endParaRPr lang="en-US" dirty="0"/>
+          </a:p>
+        </p:txBody>
+      </p:sp>
+      <p:sp>
+        <p:nvSpPr>
+          <p:cNvPr id="3" name="Content Placeholder 2"/>
+          <p:cNvSpPr>
+            <a:spLocks noGrp="1"/>
+          </p:cNvSpPr>
+          <p:nvPr>
+            <p:ph idx="1"/>
+          </p:nvPr>
+        </p:nvSpPr>
+        <p:spPr>
+          <a:xfrm>
+            <a:off x="838199" y="1825624"/>
+            <a:ext cx="10766425" cy="4810125"/>
+          </a:xfrm>
+        </p:spPr>
+        <p:txBody>
+          <a:bodyPr numCol="1">
+            <a:normAutofit/>
+          </a:bodyPr>
+          <a:lstStyle/>
+          <a:p>
+            <a:pPr marL="0" indent="0">
+              <a:buNone/>
+            </a:pPr>
+            <a:r>
+              <a:rPr lang="en-US" b="1" dirty="0" smtClean="0"/>
+              <a:t>Scope</a:t>
+            </a:r>
+          </a:p>
+          <a:p>
+            <a:r>
+              <a:rPr lang="en-US" dirty="0" smtClean="0"/>
+              <a:t>Binding part between HTML (view) and the JavaScript (Controller).</a:t>
+            </a:r>
+          </a:p>
+          <a:p>
+            <a:r>
+              <a:rPr lang="en-US" dirty="0" smtClean="0"/>
+              <a:t>It is an object with the available properties and methods.</a:t>
+            </a:r>
+          </a:p>
+          <a:p>
+            <a:r>
+              <a:rPr lang="en-US" dirty="0" smtClean="0"/>
+              <a:t>It is available for both the view and the controller.</a:t>
+            </a:r>
+          </a:p>
+          <a:p>
+            <a:pPr marL="0" indent="0">
+              <a:buNone/>
+            </a:pPr>
+            <a:r>
+              <a:rPr lang="en-US" b="1" dirty="0" smtClean="0"/>
+              <a:t>Controller</a:t>
+            </a:r>
+          </a:p>
+          <a:p>
+            <a:r>
+              <a:rPr lang="en-US" dirty="0" smtClean="0"/>
+              <a:t>They </a:t>
+            </a:r>
+            <a:r>
+              <a:rPr lang="en-US" dirty="0" smtClean="0"/>
+              <a:t>control the data of the </a:t>
+            </a:r>
+            <a:r>
+              <a:rPr lang="en-US" dirty="0" err="1" smtClean="0"/>
+              <a:t>AngularJS</a:t>
+            </a:r>
+            <a:r>
+              <a:rPr lang="en-US" dirty="0" smtClean="0"/>
+              <a:t> applications.</a:t>
+            </a:r>
+          </a:p>
+          <a:p>
+            <a:r>
+              <a:rPr lang="en-US" dirty="0" smtClean="0"/>
+              <a:t>They are regular JavaScript objects.</a:t>
+            </a:r>
+          </a:p>
+          <a:p>
+            <a:r>
+              <a:rPr lang="en-US" dirty="0" smtClean="0"/>
+              <a:t>They are created by a standard JavaScript object constructor. </a:t>
+            </a:r>
+          </a:p>
+          <a:p>
+            <a:r>
+              <a:rPr lang="en-US"/>
+              <a:t>DEMO: </a:t>
+            </a:r>
+            <a:r>
+              <a:rPr lang="en-US" i="1"/>
+              <a:t>example</a:t>
+            </a:r>
+            <a:r>
+              <a:rPr lang="en-US" i="1" smtClean="0"/>
+              <a:t>-4</a:t>
+            </a:r>
+            <a:endParaRPr lang="en-US" b="1" i="1"/>
+          </a:p>
+          <a:p>
+            <a:endParaRPr lang="en-US" dirty="0" smtClean="0"/>
+          </a:p>
+          <a:p>
+            <a:endParaRPr lang="en-US" dirty="0" smtClean="0"/>
+          </a:p>
+          <a:p>
+            <a:pPr marL="0" indent="0">
+              <a:buNone/>
+            </a:pPr>
+            <a:endParaRPr lang="en-US" dirty="0"/>
+          </a:p>
+          <a:p>
+            <a:pPr marL="0" indent="0">
+              <a:buNone/>
+            </a:pPr>
+            <a:endParaRPr lang="en-US" dirty="0" smtClean="0"/>
+          </a:p>
+        </p:txBody>
+      </p:sp>
+    </p:spTree>
+    <p:extLst>
+      <p:ext uri="{BB962C8B-B14F-4D97-AF65-F5344CB8AC3E}">
+        <p14:creationId xmlns:p14="http://schemas.microsoft.com/office/powerpoint/2010/main" val="334927633"/>
+      </p:ext>
+    </p:extLst>
+  </p:cSld>
+  <p:clrMapOvr>
+    <a:masterClrMapping/>
+  </p:clrMapOvr>
+</p:sld>
+</file>
+
+<file path=ppt/slides/slide14.xml><?xml version="1.0" encoding="utf-8"?>
+<p:sld xmlns:a="http://schemas.openxmlformats.org/drawingml/2006/main" xmlns:r="http://schemas.openxmlformats.org/officeDocument/2006/relationships" xmlns:p="http://schemas.openxmlformats.org/presentationml/2006/main">
+  <p:cSld>
+    <p:spTree>
+      <p:nvGrpSpPr>
+        <p:cNvPr id="1" name=""/>
+        <p:cNvGrpSpPr/>
+        <p:nvPr/>
+      </p:nvGrpSpPr>
+      <p:grpSpPr>
+        <a:xfrm>
+          <a:off x="0" y="0"/>
+          <a:ext cx="0" cy="0"/>
+          <a:chOff x="0" y="0"/>
+          <a:chExt cx="0" cy="0"/>
+        </a:xfrm>
+      </p:grpSpPr>
+      <p:sp>
+        <p:nvSpPr>
+          <p:cNvPr id="3" name="Content Placeholder 2"/>
+          <p:cNvSpPr>
+            <a:spLocks noGrp="1"/>
+          </p:cNvSpPr>
+          <p:nvPr>
+            <p:ph idx="1"/>
+          </p:nvPr>
+        </p:nvSpPr>
+        <p:spPr>
+          <a:xfrm>
+            <a:off x="838199" y="5023897"/>
+            <a:ext cx="10766425" cy="972840"/>
+          </a:xfrm>
+        </p:spPr>
+        <p:txBody>
+          <a:bodyPr numCol="1">
+            <a:normAutofit/>
+          </a:bodyPr>
+          <a:lstStyle/>
+          <a:p>
+            <a:pPr marL="0" indent="0" algn="ctr">
+              <a:buNone/>
+            </a:pPr>
+            <a:r>
+              <a:rPr lang="en-US" sz="4400" b="1" dirty="0" err="1" smtClean="0"/>
+              <a:t>github.com</a:t>
+            </a:r>
+            <a:r>
+              <a:rPr lang="en-US" sz="4400" b="1" dirty="0"/>
+              <a:t>/</a:t>
+            </a:r>
+            <a:r>
+              <a:rPr lang="en-US" sz="4400" b="1" dirty="0" err="1"/>
+              <a:t>canpe</a:t>
+            </a:r>
+            <a:r>
+              <a:rPr lang="en-US" sz="4400" b="1" dirty="0"/>
+              <a:t>/</a:t>
+            </a:r>
+            <a:r>
+              <a:rPr lang="en-US" sz="4400" b="1" dirty="0" err="1"/>
+              <a:t>AngularJS</a:t>
+            </a:r>
+            <a:r>
+              <a:rPr lang="en-US" sz="4400" b="1" dirty="0"/>
+              <a:t>-Examples</a:t>
+            </a:r>
+            <a:endParaRPr lang="en-US" sz="4400" b="1" dirty="0" smtClean="0"/>
+          </a:p>
+          <a:p>
+            <a:pPr marL="0" indent="0" algn="ctr">
+              <a:buNone/>
+            </a:pPr>
+            <a:endParaRPr lang="en-US" sz="4400" b="1" dirty="0" smtClean="0"/>
+          </a:p>
+          <a:p>
+            <a:pPr marL="0" indent="0" algn="ctr">
+              <a:buNone/>
+            </a:pPr>
+            <a:endParaRPr lang="en-US" sz="4400" dirty="0"/>
+          </a:p>
+          <a:p>
+            <a:pPr marL="0" indent="0" algn="ctr">
+              <a:buNone/>
+            </a:pPr>
+            <a:endParaRPr lang="en-US" sz="4400" dirty="0" smtClean="0"/>
+          </a:p>
+        </p:txBody>
+      </p:sp>
+      <p:pic>
+        <p:nvPicPr>
+          <p:cNvPr id="4" name="Picture 3" descr="github.png"/>
+          <p:cNvPicPr>
+            <a:picLocks noChangeAspect="1"/>
+          </p:cNvPicPr>
+          <p:nvPr/>
+        </p:nvPicPr>
+        <p:blipFill>
+          <a:blip r:embed="rId2">
+            <a:extLst>
+              <a:ext uri="{28A0092B-C50C-407E-A947-70E740481C1C}">
+                <a14:useLocalDpi xmlns:a14="http://schemas.microsoft.com/office/drawing/2010/main" val="0"/>
+              </a:ext>
+            </a:extLst>
+          </a:blip>
+          <a:stretch>
+            <a:fillRect/>
+          </a:stretch>
+        </p:blipFill>
+        <p:spPr>
+          <a:xfrm>
+            <a:off x="3245713" y="2908628"/>
+            <a:ext cx="5715275" cy="2118462"/>
+          </a:xfrm>
+          <a:prstGeom prst="rect">
+            <a:avLst/>
+          </a:prstGeom>
+        </p:spPr>
+      </p:pic>
+      <p:sp>
+        <p:nvSpPr>
+          <p:cNvPr id="5" name="Content Placeholder 2"/>
+          <p:cNvSpPr txBox="1">
+            <a:spLocks/>
+          </p:cNvSpPr>
+          <p:nvPr/>
+        </p:nvSpPr>
+        <p:spPr>
+          <a:xfrm>
+            <a:off x="849481" y="1013876"/>
+            <a:ext cx="10766425" cy="972840"/>
+          </a:xfrm>
+          <a:prstGeom prst="rect">
+            <a:avLst/>
+          </a:prstGeom>
+        </p:spPr>
+        <p:txBody>
+          <a:bodyPr vert="horz" lIns="91440" tIns="45720" rIns="91440" bIns="45720" numCol="1" rtlCol="0">
+            <a:normAutofit lnSpcReduction="10000"/>
+          </a:bodyPr>
+          <a:lstStyle>
+            <a:lvl1pPr marL="228600" indent="-228600" algn="l" defTabSz="914400" rtl="0" eaLnBrk="1" latinLnBrk="0" hangingPunct="1">
+              <a:lnSpc>
+                <a:spcPct val="90000"/>
+              </a:lnSpc>
+              <a:spcBef>
+                <a:spcPts val="1000"/>
+              </a:spcBef>
+              <a:buFont typeface="Arial" panose="020B0604020202020204" pitchFamily="34" charset="0"/>
+              <a:buChar char="•"/>
+              <a:defRPr sz="2800" kern="1200">
+                <a:solidFill>
+                  <a:schemeClr val="tx1"/>
+                </a:solidFill>
+                <a:latin typeface="+mn-lt"/>
+                <a:ea typeface="+mn-ea"/>
+                <a:cs typeface="+mn-cs"/>
+              </a:defRPr>
+            </a:lvl1pPr>
+            <a:lvl2pPr marL="685800" indent="-228600" algn="l" defTabSz="914400" rtl="0" eaLnBrk="1" latinLnBrk="0" hangingPunct="1">
+              <a:lnSpc>
+                <a:spcPct val="90000"/>
+              </a:lnSpc>
+              <a:spcBef>
+                <a:spcPts val="500"/>
+              </a:spcBef>
+              <a:buFont typeface="Arial" panose="020B0604020202020204" pitchFamily="34" charset="0"/>
+              <a:buChar char="•"/>
+              <a:defRPr sz="2400" kern="1200">
+                <a:solidFill>
+                  <a:schemeClr val="tx1"/>
+                </a:solidFill>
+                <a:latin typeface="+mn-lt"/>
+                <a:ea typeface="+mn-ea"/>
+                <a:cs typeface="+mn-cs"/>
+              </a:defRPr>
+            </a:lvl2pPr>
+            <a:lvl3pPr marL="1143000" indent="-228600" algn="l" defTabSz="914400" rtl="0" eaLnBrk="1" latinLnBrk="0" hangingPunct="1">
+              <a:lnSpc>
+                <a:spcPct val="90000"/>
+              </a:lnSpc>
+              <a:spcBef>
+                <a:spcPts val="500"/>
+              </a:spcBef>
+              <a:buFont typeface="Arial" panose="020B0604020202020204" pitchFamily="34" charset="0"/>
+              <a:buChar char="•"/>
+              <a:defRPr sz="2000" kern="1200">
+                <a:solidFill>
+                  <a:schemeClr val="tx1"/>
+                </a:solidFill>
+                <a:latin typeface="+mn-lt"/>
+                <a:ea typeface="+mn-ea"/>
+                <a:cs typeface="+mn-cs"/>
+              </a:defRPr>
+            </a:lvl3pPr>
+            <a:lvl4pPr marL="1600200" indent="-228600" algn="l" defTabSz="914400" rtl="0" eaLnBrk="1" latinLnBrk="0" hangingPunct="1">
+              <a:lnSpc>
+                <a:spcPct val="90000"/>
+              </a:lnSpc>
+              <a:spcBef>
+                <a:spcPts val="500"/>
+              </a:spcBef>
+              <a:buFont typeface="Arial" panose="020B0604020202020204" pitchFamily="34" charset="0"/>
+              <a:buChar char="•"/>
+              <a:defRPr sz="1800" kern="1200">
+                <a:solidFill>
+                  <a:schemeClr val="tx1"/>
+                </a:solidFill>
+                <a:latin typeface="+mn-lt"/>
+                <a:ea typeface="+mn-ea"/>
+                <a:cs typeface="+mn-cs"/>
+              </a:defRPr>
+            </a:lvl4pPr>
+            <a:lvl5pPr marL="2057400" indent="-228600" algn="l" defTabSz="914400" rtl="0" eaLnBrk="1" latinLnBrk="0" hangingPunct="1">
+              <a:lnSpc>
+                <a:spcPct val="90000"/>
+              </a:lnSpc>
+              <a:spcBef>
+                <a:spcPts val="500"/>
+              </a:spcBef>
+              <a:buFont typeface="Arial" panose="020B0604020202020204" pitchFamily="34" charset="0"/>
+              <a:buChar char="•"/>
+              <a:defRPr sz="1800" kern="1200">
+                <a:solidFill>
+                  <a:schemeClr val="tx1"/>
+                </a:solidFill>
+                <a:latin typeface="+mn-lt"/>
+                <a:ea typeface="+mn-ea"/>
+                <a:cs typeface="+mn-cs"/>
+              </a:defRPr>
+            </a:lvl5pPr>
+            <a:lvl6pPr marL="2514600" indent="-228600" algn="l" defTabSz="914400" rtl="0" eaLnBrk="1" latinLnBrk="0" hangingPunct="1">
+              <a:lnSpc>
+                <a:spcPct val="90000"/>
+              </a:lnSpc>
+              <a:spcBef>
+                <a:spcPts val="500"/>
+              </a:spcBef>
+              <a:buFont typeface="Arial" panose="020B0604020202020204" pitchFamily="34" charset="0"/>
+              <a:buChar char="•"/>
+              <a:defRPr sz="1800" kern="1200">
+                <a:solidFill>
+                  <a:schemeClr val="tx1"/>
+                </a:solidFill>
+                <a:latin typeface="+mn-lt"/>
+                <a:ea typeface="+mn-ea"/>
+                <a:cs typeface="+mn-cs"/>
+              </a:defRPr>
+            </a:lvl6pPr>
+            <a:lvl7pPr marL="2971800" indent="-228600" algn="l" defTabSz="914400" rtl="0" eaLnBrk="1" latinLnBrk="0" hangingPunct="1">
+              <a:lnSpc>
+                <a:spcPct val="90000"/>
+              </a:lnSpc>
+              <a:spcBef>
+                <a:spcPts val="500"/>
+              </a:spcBef>
+              <a:buFont typeface="Arial" panose="020B0604020202020204" pitchFamily="34" charset="0"/>
+              <a:buChar char="•"/>
+              <a:defRPr sz="1800" kern="1200">
+                <a:solidFill>
+                  <a:schemeClr val="tx1"/>
+                </a:solidFill>
+                <a:latin typeface="+mn-lt"/>
+                <a:ea typeface="+mn-ea"/>
+                <a:cs typeface="+mn-cs"/>
+              </a:defRPr>
+            </a:lvl7pPr>
+            <a:lvl8pPr marL="3429000" indent="-228600" algn="l" defTabSz="914400" rtl="0" eaLnBrk="1" latinLnBrk="0" hangingPunct="1">
+              <a:lnSpc>
+                <a:spcPct val="90000"/>
+              </a:lnSpc>
+              <a:spcBef>
+                <a:spcPts val="500"/>
+              </a:spcBef>
+              <a:buFont typeface="Arial" panose="020B0604020202020204" pitchFamily="34" charset="0"/>
+              <a:buChar char="•"/>
+              <a:defRPr sz="1800" kern="1200">
+                <a:solidFill>
+                  <a:schemeClr val="tx1"/>
+                </a:solidFill>
+                <a:latin typeface="+mn-lt"/>
+                <a:ea typeface="+mn-ea"/>
+                <a:cs typeface="+mn-cs"/>
+              </a:defRPr>
+            </a:lvl8pPr>
+            <a:lvl9pPr marL="3886200" indent="-228600" algn="l" defTabSz="914400" rtl="0" eaLnBrk="1" latinLnBrk="0" hangingPunct="1">
+              <a:lnSpc>
+                <a:spcPct val="90000"/>
+              </a:lnSpc>
+              <a:spcBef>
+                <a:spcPts val="500"/>
+              </a:spcBef>
+              <a:buFont typeface="Arial" panose="020B0604020202020204" pitchFamily="34" charset="0"/>
+              <a:buChar char="•"/>
+              <a:defRPr sz="1800" kern="1200">
+                <a:solidFill>
+                  <a:schemeClr val="tx1"/>
+                </a:solidFill>
+                <a:latin typeface="+mn-lt"/>
+                <a:ea typeface="+mn-ea"/>
+                <a:cs typeface="+mn-cs"/>
+              </a:defRPr>
+            </a:lvl9pPr>
+          </a:lstStyle>
+          <a:p>
+            <a:pPr marL="0" indent="0" algn="ctr">
+              <a:buFont typeface="Arial" panose="020B0604020202020204" pitchFamily="34" charset="0"/>
+              <a:buNone/>
+            </a:pPr>
+            <a:r>
+              <a:rPr lang="en-US" sz="6600" b="1" dirty="0" smtClean="0"/>
+              <a:t>THANKS FOR LISTENING</a:t>
+            </a:r>
+          </a:p>
+          <a:p>
+            <a:pPr marL="0" indent="0" algn="ctr">
+              <a:buFont typeface="Arial" panose="020B0604020202020204" pitchFamily="34" charset="0"/>
+              <a:buNone/>
+            </a:pPr>
+            <a:endParaRPr lang="en-US" sz="4400" b="1" dirty="0" smtClean="0"/>
+          </a:p>
+          <a:p>
+            <a:pPr marL="0" indent="0" algn="ctr">
+              <a:buFont typeface="Arial" panose="020B0604020202020204" pitchFamily="34" charset="0"/>
+              <a:buNone/>
+            </a:pPr>
+            <a:endParaRPr lang="en-US" sz="4400" dirty="0" smtClean="0"/>
+          </a:p>
+          <a:p>
+            <a:pPr marL="0" indent="0" algn="ctr">
+              <a:buFont typeface="Arial" panose="020B0604020202020204" pitchFamily="34" charset="0"/>
+              <a:buNone/>
+            </a:pPr>
+            <a:endParaRPr lang="en-US" sz="4400" dirty="0" smtClean="0"/>
+          </a:p>
+        </p:txBody>
+      </p:sp>
+    </p:spTree>
+    <p:extLst>
+      <p:ext uri="{BB962C8B-B14F-4D97-AF65-F5344CB8AC3E}">
+        <p14:creationId xmlns:p14="http://schemas.microsoft.com/office/powerpoint/2010/main" val="101126466"/>
       </p:ext>
     </p:extLst>
   </p:cSld>
@@ -3159,11 +4721,7 @@
             </a:pPr>
             <a:r>
               <a:rPr lang="en-US" dirty="0" smtClean="0"/>
-              <a:t>Model </a:t>
-            </a:r>
-            <a:r>
-              <a:rPr lang="en-US" dirty="0" smtClean="0"/>
-              <a:t>View Whatever (MVW or MV*)</a:t>
+              <a:t>Model View Whatever (MVW or MV*)</a:t>
             </a:r>
           </a:p>
           <a:p>
@@ -3174,8 +4732,68 @@
             </a:pPr>
             <a:r>
               <a:rPr lang="en-US" dirty="0" smtClean="0"/>
-              <a:t>Framework Features</a:t>
-            </a:r>
+              <a:t>Framework </a:t>
+            </a:r>
+            <a:r>
+              <a:rPr lang="en-US" dirty="0" smtClean="0"/>
+              <a:t>Features</a:t>
+            </a:r>
+          </a:p>
+          <a:p>
+            <a:pPr lvl="1">
+              <a:lnSpc>
+                <a:spcPct val="130000"/>
+              </a:lnSpc>
+              <a:buFont typeface="Wingdings" charset="2"/>
+              <a:buChar char="§"/>
+            </a:pPr>
+            <a:r>
+              <a:rPr lang="en-US" dirty="0" smtClean="0"/>
+              <a:t>Directives, Filters, Data Binding</a:t>
+            </a:r>
+          </a:p>
+          <a:p>
+            <a:pPr lvl="1">
+              <a:lnSpc>
+                <a:spcPct val="130000"/>
+              </a:lnSpc>
+              <a:buFont typeface="Wingdings" charset="2"/>
+              <a:buChar char="§"/>
+            </a:pPr>
+            <a:r>
+              <a:rPr lang="en-US" dirty="0" smtClean="0"/>
+              <a:t>View, Controllers, Scope</a:t>
+            </a:r>
+          </a:p>
+          <a:p>
+            <a:pPr lvl="1">
+              <a:lnSpc>
+                <a:spcPct val="130000"/>
+              </a:lnSpc>
+              <a:buFont typeface="Wingdings" charset="2"/>
+              <a:buChar char="§"/>
+            </a:pPr>
+            <a:r>
+              <a:rPr lang="en-US" strike="sngStrike" dirty="0" smtClean="0"/>
+              <a:t>Module, Routers, Factories</a:t>
+            </a:r>
+            <a:r>
+              <a:rPr lang="en-US" dirty="0" smtClean="0"/>
+              <a:t> </a:t>
+            </a:r>
+            <a:r>
+              <a:rPr lang="en-US" i="1" dirty="0" smtClean="0">
+                <a:solidFill>
+                  <a:srgbClr val="FF0000"/>
+                </a:solidFill>
+              </a:rPr>
+              <a:t>Next Time!</a:t>
+            </a:r>
+            <a:endParaRPr lang="en-US" i="1" dirty="0" smtClean="0">
+              <a:solidFill>
+                <a:srgbClr val="FF0000"/>
+              </a:solidFill>
+            </a:endParaRPr>
           </a:p>
           <a:p>
             <a:endParaRPr lang="en-US" dirty="0" smtClean="0"/>
@@ -4129,8 +5747,8 @@
           <a:lstStyle/>
           <a:p>
             <a:r>
-              <a:rPr lang="en-US" dirty="0" smtClean="0"/>
-              <a:t>Custom Data Attributes (data-*)</a:t>
+              <a:rPr lang="en-US" dirty="0"/>
+              <a:t>Framework Features</a:t>
             </a:r>
             <a:endParaRPr lang="en-US" dirty="0"/>
           </a:p>
@@ -4154,65 +5772,16 @@
         </p:spPr>
         <p:txBody>
           <a:bodyPr numCol="1">
-            <a:normAutofit fontScale="92500" lnSpcReduction="10000"/>
+            <a:normAutofit lnSpcReduction="10000"/>
           </a:bodyPr>
           <a:lstStyle/>
           <a:p>
+            <a:pPr marL="0" indent="0">
+              <a:buNone/>
+            </a:pPr>
             <a:r>
               <a:rPr lang="en-US" b="1" dirty="0" smtClean="0"/>
-              <a:t>WHY? </a:t>
-            </a:r>
-          </a:p>
-          <a:p>
-            <a:pPr lvl="1">
-              <a:buFont typeface="Wingdings" charset="2"/>
-              <a:buChar char="§"/>
-            </a:pPr>
-            <a:r>
-              <a:rPr lang="en-US" sz="2800" dirty="0" smtClean="0"/>
-              <a:t>Store information associated with different DOM elements.</a:t>
-            </a:r>
-          </a:p>
-          <a:p>
-            <a:pPr lvl="1">
-              <a:buFont typeface="Wingdings" charset="2"/>
-              <a:buChar char="§"/>
-            </a:pPr>
-            <a:endParaRPr lang="en-US" sz="2800" dirty="0" smtClean="0"/>
-          </a:p>
-          <a:p>
-            <a:r>
-              <a:rPr lang="en-US" b="1" dirty="0" smtClean="0"/>
-              <a:t>BUT WHY </a:t>
-            </a:r>
-            <a:r>
-              <a:rPr lang="en-US" b="1" dirty="0" smtClean="0"/>
-              <a:t>NOT “class</a:t>
-            </a:r>
-            <a:r>
-              <a:rPr lang="en-US" b="1" dirty="0" smtClean="0"/>
-              <a:t>” THEN? </a:t>
-            </a:r>
-            <a:endParaRPr lang="en-US" b="1" dirty="0" smtClean="0"/>
-          </a:p>
-          <a:p>
-            <a:pPr lvl="1">
-              <a:buFont typeface="Wingdings" charset="2"/>
-              <a:buChar char="§"/>
-            </a:pPr>
-            <a:r>
-              <a:rPr lang="en-US" sz="2800" dirty="0" smtClean="0"/>
-              <a:t>Not to meant to store data, only style information</a:t>
-            </a:r>
-          </a:p>
-          <a:p>
-            <a:pPr lvl="1">
-              <a:buFont typeface="Wingdings" charset="2"/>
-              <a:buChar char="§"/>
-            </a:pPr>
-            <a:r>
-              <a:rPr lang="en-US" sz="2800" dirty="0" smtClean="0"/>
-              <a:t>Each additional piece of information requires us to add new class (harder to parse later)</a:t>
+              <a:t>Directives</a:t>
             </a:r>
           </a:p>
           <a:p>
@@ -4221,62 +5790,126 @@
               <a:buChar char="•"/>
             </a:pPr>
             <a:r>
+              <a:rPr lang="en-US" b="1" dirty="0" err="1" smtClean="0"/>
+              <a:t>ng</a:t>
+            </a:r>
+            <a:r>
               <a:rPr lang="en-US" b="1" dirty="0" smtClean="0"/>
-              <a:t>SO?!?</a:t>
-            </a:r>
-          </a:p>
-          <a:p>
-            <a:pPr lvl="1">
-              <a:buFont typeface="Wingdings" charset="2"/>
-              <a:buChar char="§"/>
-            </a:pPr>
-            <a:r>
-              <a:rPr lang="en-US" sz="2800" dirty="0" smtClean="0"/>
-              <a:t>Use </a:t>
-            </a:r>
-            <a:r>
-              <a:rPr lang="en-US" sz="2800" b="1" dirty="0" smtClean="0"/>
-              <a:t>Custom </a:t>
-            </a:r>
-            <a:r>
-              <a:rPr lang="en-US" sz="2800" b="1" dirty="0"/>
-              <a:t>D</a:t>
-            </a:r>
-            <a:r>
-              <a:rPr lang="en-US" sz="2800" b="1" dirty="0" smtClean="0"/>
-              <a:t>ata Attributes </a:t>
-            </a:r>
-            <a:r>
-              <a:rPr lang="en-US" sz="2800" dirty="0" smtClean="0"/>
-              <a:t>to store information in better way.</a:t>
-            </a:r>
-          </a:p>
-          <a:p>
-            <a:pPr lvl="1">
-              <a:buFont typeface="Wingdings" charset="2"/>
-              <a:buChar char="§"/>
-            </a:pPr>
-            <a:r>
-              <a:rPr lang="en-US" sz="2800" dirty="0" smtClean="0"/>
-              <a:t>“data-” prefix with letters, numbers, hyphen (-), dot (.), color (:), underscore (_) </a:t>
-            </a:r>
-          </a:p>
-          <a:p>
-            <a:pPr lvl="1">
-              <a:buFont typeface="Wingdings" charset="2"/>
-              <a:buChar char="§"/>
-            </a:pPr>
-            <a:r>
-              <a:rPr lang="en-US" sz="2800" dirty="0" smtClean="0"/>
-              <a:t>No capital letters!!!</a:t>
-            </a:r>
-            <a:endParaRPr lang="en-US" sz="2800" dirty="0"/>
+              <a:t>-app:</a:t>
+            </a:r>
+            <a:r>
+              <a:rPr lang="en-US" dirty="0" smtClean="0"/>
+              <a:t> tells </a:t>
+            </a:r>
+            <a:r>
+              <a:rPr lang="en-US" dirty="0" err="1" smtClean="0"/>
+              <a:t>AngularJS</a:t>
+            </a:r>
+            <a:r>
+              <a:rPr lang="en-US" dirty="0" smtClean="0"/>
+              <a:t> that the DOM element is the “owner” of the an </a:t>
+            </a:r>
+            <a:r>
+              <a:rPr lang="en-US" dirty="0" err="1" smtClean="0"/>
+              <a:t>AngularJS</a:t>
+            </a:r>
+            <a:r>
+              <a:rPr lang="en-US" dirty="0" smtClean="0"/>
+              <a:t> application.</a:t>
+            </a:r>
+            <a:endParaRPr lang="en-US" b="1" dirty="0" smtClean="0"/>
           </a:p>
           <a:p>
             <a:pPr>
-              <a:buFont typeface="Wingdings" charset="2"/>
-              <a:buChar char="§"/>
-            </a:pPr>
+              <a:buFont typeface="Arial"/>
+              <a:buChar char="•"/>
+            </a:pPr>
+            <a:r>
+              <a:rPr lang="en-US" b="1" dirty="0" err="1" smtClean="0"/>
+              <a:t>ng</a:t>
+            </a:r>
+            <a:r>
+              <a:rPr lang="en-US" b="1" dirty="0" smtClean="0"/>
+              <a:t>-model: </a:t>
+            </a:r>
+            <a:r>
+              <a:rPr lang="en-US" dirty="0" smtClean="0"/>
+              <a:t>binds the value of the input field to the application variable name.</a:t>
+            </a:r>
+          </a:p>
+          <a:p>
+            <a:pPr>
+              <a:buFont typeface="Arial"/>
+              <a:buChar char="•"/>
+            </a:pPr>
+            <a:r>
+              <a:rPr lang="en-US" b="1" dirty="0" err="1"/>
+              <a:t>n</a:t>
+            </a:r>
+            <a:r>
+              <a:rPr lang="en-US" b="1" dirty="0" err="1" smtClean="0"/>
+              <a:t>g-init</a:t>
+            </a:r>
+            <a:r>
+              <a:rPr lang="en-US" b="1" dirty="0" smtClean="0"/>
+              <a:t>: </a:t>
+            </a:r>
+            <a:r>
+              <a:rPr lang="en-US" dirty="0" smtClean="0"/>
+              <a:t>initialize </a:t>
+            </a:r>
+            <a:r>
+              <a:rPr lang="en-US" dirty="0" err="1" smtClean="0"/>
+              <a:t>AngularJS</a:t>
+            </a:r>
+            <a:r>
+              <a:rPr lang="en-US" dirty="0" smtClean="0"/>
+              <a:t> application variables.</a:t>
+            </a:r>
+          </a:p>
+          <a:p>
+            <a:pPr>
+              <a:buFont typeface="Arial"/>
+              <a:buChar char="•"/>
+            </a:pPr>
+            <a:r>
+              <a:rPr lang="en-US" b="1" dirty="0" err="1" smtClean="0"/>
+              <a:t>ng</a:t>
+            </a:r>
+            <a:r>
+              <a:rPr lang="en-US" b="1" dirty="0" smtClean="0"/>
+              <a:t>-bind: </a:t>
+            </a:r>
+            <a:r>
+              <a:rPr lang="en-US" dirty="0" smtClean="0"/>
+              <a:t>binds the </a:t>
+            </a:r>
+            <a:r>
+              <a:rPr lang="en-US" dirty="0" err="1" smtClean="0"/>
+              <a:t>innerHTML</a:t>
+            </a:r>
+            <a:r>
+              <a:rPr lang="en-US" dirty="0" smtClean="0"/>
+              <a:t> of the DOM element to the application variable name.</a:t>
+            </a:r>
+          </a:p>
+          <a:p>
+            <a:pPr marL="0" indent="0">
+              <a:buNone/>
+            </a:pPr>
+            <a:r>
+              <a:rPr lang="en-US" b="1" dirty="0"/>
+              <a:t>Data Binding</a:t>
+            </a:r>
+          </a:p>
+          <a:p>
+            <a:r>
+              <a:rPr lang="en-US" dirty="0"/>
+              <a:t>Data Binding is the synchronization between the model and the view.</a:t>
+            </a:r>
+            <a:br>
+              <a:rPr lang="en-US" dirty="0"/>
+            </a:br>
             <a:endParaRPr lang="en-US" dirty="0" smtClean="0"/>
           </a:p>
         </p:txBody>
@@ -4284,7 +5917,7 @@
     </p:spTree>
     <p:extLst>
       <p:ext uri="{BB962C8B-B14F-4D97-AF65-F5344CB8AC3E}">
-        <p14:creationId xmlns:p14="http://schemas.microsoft.com/office/powerpoint/2010/main" val="1929873177"/>
+        <p14:creationId xmlns:p14="http://schemas.microsoft.com/office/powerpoint/2010/main" val="2249360388"/>
       </p:ext>
     </p:extLst>
   </p:cSld>
@@ -4328,15 +5961,7 @@
           <a:p>
             <a:r>
               <a:rPr lang="en-US" dirty="0" smtClean="0"/>
-              <a:t>Attribute Directives (</a:t>
-            </a:r>
-            <a:r>
-              <a:rPr lang="en-US" dirty="0" err="1" smtClean="0"/>
-              <a:t>ng</a:t>
-            </a:r>
-            <a:r>
-              <a:rPr lang="en-US" dirty="0" smtClean="0"/>
-              <a:t>-*)</a:t>
+              <a:t>Custom Data Attributes (data-*)</a:t>
             </a:r>
             <a:endParaRPr lang="en-US" dirty="0"/>
           </a:p>
@@ -4360,14 +5985,120 @@
         </p:spPr>
         <p:txBody>
           <a:bodyPr numCol="1">
-            <a:normAutofit/>
+            <a:normAutofit fontScale="92500" lnSpcReduction="10000"/>
           </a:bodyPr>
           <a:lstStyle/>
+          <a:p>
+            <a:r>
+              <a:rPr lang="en-US" b="1" dirty="0" smtClean="0"/>
+              <a:t>WHY? </a:t>
+            </a:r>
+          </a:p>
+          <a:p>
+            <a:pPr lvl="1">
+              <a:buFont typeface="Wingdings" charset="2"/>
+              <a:buChar char="§"/>
+            </a:pPr>
+            <a:r>
+              <a:rPr lang="en-US" sz="2800" dirty="0" smtClean="0"/>
+              <a:t>Store information associated with different DOM elements.</a:t>
+            </a:r>
+          </a:p>
+          <a:p>
+            <a:pPr lvl="1">
+              <a:buFont typeface="Wingdings" charset="2"/>
+              <a:buChar char="§"/>
+            </a:pPr>
+            <a:endParaRPr lang="en-US" sz="2800" dirty="0" smtClean="0"/>
+          </a:p>
+          <a:p>
+            <a:r>
+              <a:rPr lang="en-US" b="1" dirty="0" smtClean="0"/>
+              <a:t>BUT WHY NOT “class” THEN? </a:t>
+            </a:r>
+          </a:p>
+          <a:p>
+            <a:pPr lvl="1">
+              <a:buFont typeface="Wingdings" charset="2"/>
+              <a:buChar char="§"/>
+            </a:pPr>
+            <a:r>
+              <a:rPr lang="en-US" sz="2800" dirty="0" smtClean="0"/>
+              <a:t>Not to meant to store data, only style information</a:t>
+            </a:r>
+          </a:p>
+          <a:p>
+            <a:pPr lvl="1">
+              <a:buFont typeface="Wingdings" charset="2"/>
+              <a:buChar char="§"/>
+            </a:pPr>
+            <a:r>
+              <a:rPr lang="en-US" sz="2800" dirty="0" smtClean="0"/>
+              <a:t>Each additional piece of information requires us to add new class (harder to parse later)</a:t>
+            </a:r>
+          </a:p>
           <a:p>
             <a:pPr>
               <a:buFont typeface="Arial"/>
               <a:buChar char="•"/>
             </a:pPr>
+            <a:r>
+              <a:rPr lang="en-US" b="1" dirty="0" smtClean="0"/>
+              <a:t>SO?!?</a:t>
+            </a:r>
+          </a:p>
+          <a:p>
+            <a:pPr lvl="1">
+              <a:buFont typeface="Wingdings" charset="2"/>
+              <a:buChar char="§"/>
+            </a:pPr>
+            <a:r>
+              <a:rPr lang="en-US" sz="2800" dirty="0" smtClean="0"/>
+              <a:t>Use </a:t>
+            </a:r>
+            <a:r>
+              <a:rPr lang="en-US" sz="2800" b="1" dirty="0" smtClean="0"/>
+              <a:t>Custom </a:t>
+            </a:r>
+            <a:r>
+              <a:rPr lang="en-US" sz="2800" b="1" dirty="0"/>
+              <a:t>D</a:t>
+            </a:r>
+            <a:r>
+              <a:rPr lang="en-US" sz="2800" b="1" dirty="0" smtClean="0"/>
+              <a:t>ata Attributes </a:t>
+            </a:r>
+            <a:r>
+              <a:rPr lang="en-US" sz="2800" dirty="0" smtClean="0"/>
+              <a:t>to store information in better way.</a:t>
+            </a:r>
+          </a:p>
+          <a:p>
+            <a:pPr lvl="1">
+              <a:buFont typeface="Wingdings" charset="2"/>
+              <a:buChar char="§"/>
+            </a:pPr>
+            <a:r>
+              <a:rPr lang="en-US" sz="2800" dirty="0" smtClean="0"/>
+              <a:t>“data-” prefix with letters, numbers, hyphen (-), dot (.), color (:), underscore (_) </a:t>
+            </a:r>
+          </a:p>
+          <a:p>
+            <a:pPr lvl="1">
+              <a:buFont typeface="Wingdings" charset="2"/>
+              <a:buChar char="§"/>
+            </a:pPr>
+            <a:r>
+              <a:rPr lang="en-US" sz="2800" dirty="0" smtClean="0"/>
+              <a:t>No capital letters!!!</a:t>
+            </a:r>
+            <a:endParaRPr lang="en-US" sz="2800" dirty="0"/>
+          </a:p>
+          <a:p>
+            <a:pPr>
+              <a:buFont typeface="Wingdings" charset="2"/>
+              <a:buChar char="§"/>
+            </a:pPr>
             <a:endParaRPr lang="en-US" dirty="0" smtClean="0"/>
           </a:p>
         </p:txBody>
@@ -4375,7 +6106,7 @@
     </p:spTree>
     <p:extLst>
       <p:ext uri="{BB962C8B-B14F-4D97-AF65-F5344CB8AC3E}">
-        <p14:creationId xmlns:p14="http://schemas.microsoft.com/office/powerpoint/2010/main" val="2249360388"/>
+        <p14:creationId xmlns:p14="http://schemas.microsoft.com/office/powerpoint/2010/main" val="1929873177"/>
       </p:ext>
     </p:extLst>
   </p:cSld>
@@ -4640,7 +6371,7 @@
   <a:extraClrSchemeLst/>
   <a:extLst>
     <a:ext uri="{05A4C25C-085E-4340-85A3-A5531E510DB2}">
-      <thm15:themeFamily xmlns="" xmlns:thm15="http://schemas.microsoft.com/office/thememl/2012/main" name="Office Theme" id="{62F939B6-93AF-4DB8-9C6B-D6C7DFDC589F}" vid="{4A3C46E8-61CC-4603-A589-7422A47A8E4A}"/>
+      <thm15:themeFamily xmlns:thm15="http://schemas.microsoft.com/office/thememl/2012/main" xmlns="" name="Office Theme" id="{62F939B6-93AF-4DB8-9C6B-D6C7DFDC589F}" vid="{4A3C46E8-61CC-4603-A589-7422A47A8E4A}"/>
     </a:ext>
   </a:extLst>
 </a:theme>
